--- a/Database Tips and Tricks/Data Factory Metadata Demo/Data Factory Metadata Demo Powerpoint.pptx
+++ b/Database Tips and Tricks/Data Factory Metadata Demo/Data Factory Metadata Demo Powerpoint.pptx
@@ -489,7 +489,7 @@
           <a:p>
             <a:fld id="{ED291B17-9318-49DB-B28B-6E5994AE9581}" type="datetime1">
               <a:rPr lang="en-US" smtClean="0"/>
-              <a:t>12/25/2021</a:t>
+              <a:t>2/2/2023</a:t>
             </a:fld>
             <a:endParaRPr lang="en-US" dirty="0"/>
           </a:p>
@@ -692,7 +692,7 @@
           <a:p>
             <a:fld id="{2CED4963-E985-44C4-B8C4-FDD613B7C2F8}" type="datetime1">
               <a:rPr lang="en-US" smtClean="0"/>
-              <a:t>12/25/2021</a:t>
+              <a:t>2/2/2023</a:t>
             </a:fld>
             <a:endParaRPr lang="en-US" dirty="0"/>
           </a:p>
@@ -1054,7 +1054,7 @@
           <a:p>
             <a:fld id="{ED291B17-9318-49DB-B28B-6E5994AE9581}" type="datetime1">
               <a:rPr lang="en-US" smtClean="0"/>
-              <a:t>12/25/2021</a:t>
+              <a:t>2/2/2023</a:t>
             </a:fld>
             <a:endParaRPr lang="en-US" dirty="0"/>
           </a:p>
@@ -1252,7 +1252,7 @@
           <a:p>
             <a:fld id="{78DD82B9-B8EE-4375-B6FF-88FA6ABB15D9}" type="datetime1">
               <a:rPr lang="en-US" smtClean="0"/>
-              <a:t>12/25/2021</a:t>
+              <a:t>2/2/2023</a:t>
             </a:fld>
             <a:endParaRPr lang="en-US" dirty="0"/>
           </a:p>
@@ -1564,7 +1564,7 @@
           <a:p>
             <a:fld id="{B2497495-0637-405E-AE64-5CC7506D51F5}" type="datetime1">
               <a:rPr lang="en-US" smtClean="0"/>
-              <a:t>12/25/2021</a:t>
+              <a:t>2/2/2023</a:t>
             </a:fld>
             <a:endParaRPr lang="en-US" dirty="0"/>
           </a:p>
@@ -1817,7 +1817,7 @@
           <a:p>
             <a:fld id="{7BFFD690-9426-415D-8B65-26881E07B2D4}" type="datetime1">
               <a:rPr lang="en-US" smtClean="0"/>
-              <a:t>12/25/2021</a:t>
+              <a:t>2/2/2023</a:t>
             </a:fld>
             <a:endParaRPr lang="en-US" dirty="0"/>
           </a:p>
@@ -2239,7 +2239,7 @@
           <a:p>
             <a:fld id="{04C4989A-474C-40DE-95B9-011C28B71673}" type="datetime1">
               <a:rPr lang="en-US" smtClean="0"/>
-              <a:t>12/25/2021</a:t>
+              <a:t>2/2/2023</a:t>
             </a:fld>
             <a:endParaRPr lang="en-US" dirty="0"/>
           </a:p>
@@ -2362,7 +2362,7 @@
           <a:p>
             <a:fld id="{5DB4ED54-5B5E-4A04-93D3-5772E3CE3818}" type="datetime1">
               <a:rPr lang="en-US" smtClean="0"/>
-              <a:t>12/25/2021</a:t>
+              <a:t>2/2/2023</a:t>
             </a:fld>
             <a:endParaRPr lang="en-US" dirty="0"/>
           </a:p>
@@ -2457,7 +2457,7 @@
           <a:p>
             <a:fld id="{4EDE50D6-574B-40AF-946F-D52A04ADE379}" type="datetime1">
               <a:rPr lang="en-US" smtClean="0"/>
-              <a:t>12/25/2021</a:t>
+              <a:t>2/2/2023</a:t>
             </a:fld>
             <a:endParaRPr lang="en-US" dirty="0"/>
           </a:p>
@@ -2834,7 +2834,7 @@
           <a:p>
             <a:fld id="{D82884F1-FFEA-405F-9602-3DCA865EDA4E}" type="datetime1">
               <a:rPr lang="en-US" smtClean="0"/>
-              <a:t>12/25/2021</a:t>
+              <a:t>2/2/2023</a:t>
             </a:fld>
             <a:endParaRPr lang="en-US" dirty="0"/>
           </a:p>
@@ -3127,7 +3127,7 @@
           <a:p>
             <a:fld id="{7E18DB4A-8810-4A10-AD5C-D5E2C667F5B3}" type="datetime1">
               <a:rPr lang="en-US" smtClean="0"/>
-              <a:t>12/25/2021</a:t>
+              <a:t>2/2/2023</a:t>
             </a:fld>
             <a:endParaRPr lang="en-US" dirty="0"/>
           </a:p>
@@ -3342,7 +3342,7 @@
           <a:p>
             <a:fld id="{ED291B17-9318-49DB-B28B-6E5994AE9581}" type="datetime1">
               <a:rPr lang="en-US" smtClean="0"/>
-              <a:t>12/25/2021</a:t>
+              <a:t>2/2/2023</a:t>
             </a:fld>
             <a:endParaRPr lang="en-US" dirty="0"/>
           </a:p>
@@ -9186,7 +9186,7 @@
         <p:spPr>
           <a:xfrm>
             <a:off x="581192" y="1890876"/>
-            <a:ext cx="11298670" cy="2923877"/>
+            <a:ext cx="11298670" cy="2215991"/>
           </a:xfrm>
           <a:prstGeom prst="rect">
             <a:avLst/>
@@ -9233,23 +9233,9 @@
                 <a:solidFill>
                   <a:schemeClr val="accent2"/>
                 </a:solidFill>
-                <a:hlinkClick r:id="rId3">
-                  <a:extLst>
-                    <a:ext uri="{A12FA001-AC4F-418D-AE19-62706E023703}">
-                      <ahyp:hlinkClr xmlns:ahyp="http://schemas.microsoft.com/office/drawing/2018/hyperlinkcolor" val="tx"/>
-                    </a:ext>
-                  </a:extLst>
-                </a:hlinkClick>
               </a:rPr>
-              <a:t>https://github.com/smpetersgithub/AdvancedSQLPuzzles/tree/main/Microsoft%20Azure/Data%20Factory%20Metadata%20Demo</a:t>
-            </a:r>
-            <a:endParaRPr lang="en-US" dirty="0">
-              <a:solidFill>
-                <a:schemeClr val="accent2"/>
-              </a:solidFill>
-            </a:endParaRPr>
-          </a:p>
-          <a:p>
+              <a:t>https://github.com/smpetersgithub/AdvancedSQLPuzzles</a:t>
+            </a:r>
             <a:endParaRPr lang="en-US" dirty="0"/>
           </a:p>
           <a:p>
@@ -14139,7 +14125,7 @@
         <p:spPr>
           <a:xfrm>
             <a:off x="671804" y="5243804"/>
-            <a:ext cx="11215396" cy="1815882"/>
+            <a:ext cx="11215396" cy="954107"/>
           </a:xfrm>
           <a:prstGeom prst="rect">
             <a:avLst/>
@@ -14154,7 +14140,7 @@
           <a:p>
             <a:r>
               <a:rPr lang="en-US" sz="2800" dirty="0"/>
-              <a:t>The DDL scripts are available in the Git repository located at:</a:t>
+              <a:t>The DDL scripts are available in the GitHub repository located at:</a:t>
             </a:r>
           </a:p>
           <a:p>
@@ -14163,23 +14149,9 @@
                 <a:solidFill>
                   <a:schemeClr val="accent2"/>
                 </a:solidFill>
-                <a:hlinkClick r:id="rId2">
-                  <a:extLst>
-                    <a:ext uri="{A12FA001-AC4F-418D-AE19-62706E023703}">
-                      <ahyp:hlinkClr xmlns:ahyp="http://schemas.microsoft.com/office/drawing/2018/hyperlinkcolor" val="tx"/>
-                    </a:ext>
-                  </a:extLst>
-                </a:hlinkClick>
               </a:rPr>
-              <a:t>https://github.com/smpetersgithub/AdvancedSQLPuzzles/tree/main/Microsoft%20Azure/Data%20Factory%20Metadata%20Demo</a:t>
-            </a:r>
-            <a:endParaRPr lang="en-US" sz="2800" dirty="0">
-              <a:solidFill>
-                <a:schemeClr val="accent2"/>
-              </a:solidFill>
-            </a:endParaRPr>
-          </a:p>
-          <a:p>
+              <a:t>https://github.com/smpetersgithub/AdvancedSQLPuzzles</a:t>
+            </a:r>
             <a:endParaRPr lang="en-US" sz="2800" dirty="0"/>
           </a:p>
         </p:txBody>
